--- a/list.pptx
+++ b/list.pptx
@@ -34,7 +34,7 @@
       </p:grpSpPr>
       <p:sp>
         <p:nvSpPr>
-          <p:cNvPr id="0" name="PlaceHolder 1"/>
+          <p:cNvPr id="2" name="PlaceHolder 1"/>
           <p:cNvSpPr>
             <a:spLocks noGrp="1"/>
           </p:cNvSpPr>
@@ -85,7 +85,7 @@
       </p:sp>
       <p:sp>
         <p:nvSpPr>
-          <p:cNvPr id="1" name="PlaceHolder 2"/>
+          <p:cNvPr id="3" name="PlaceHolder 2"/>
           <p:cNvSpPr>
             <a:spLocks noGrp="1"/>
           </p:cNvSpPr>
@@ -138,7 +138,7 @@
       </p:sp>
       <p:sp>
         <p:nvSpPr>
-          <p:cNvPr id="2" name="PlaceHolder 3"/>
+          <p:cNvPr id="4" name="PlaceHolder 3"/>
           <p:cNvSpPr>
             <a:spLocks noGrp="1"/>
           </p:cNvSpPr>
@@ -191,7 +191,7 @@
       </p:sp>
       <p:sp>
         <p:nvSpPr>
-          <p:cNvPr id="3" name="PlaceHolder 4"/>
+          <p:cNvPr id="5" name="PlaceHolder 4"/>
           <p:cNvSpPr>
             <a:spLocks noGrp="1"/>
           </p:cNvSpPr>
@@ -257,7 +257,7 @@
       </p:sp>
       <p:sp>
         <p:nvSpPr>
-          <p:cNvPr id="4" name="PlaceHolder 5"/>
+          <p:cNvPr id="6" name="PlaceHolder 5"/>
           <p:cNvSpPr>
             <a:spLocks noGrp="1"/>
           </p:cNvSpPr>
@@ -323,7 +323,7 @@
       </p:sp>
       <p:sp>
         <p:nvSpPr>
-          <p:cNvPr id="5" name="PlaceHolder 6"/>
+          <p:cNvPr id="7" name="PlaceHolder 6"/>
           <p:cNvSpPr>
             <a:spLocks noGrp="1"/>
           </p:cNvSpPr>
@@ -365,7 +365,7 @@
             <a:pPr indent="0" algn="r">
               <a:buNone/>
             </a:pPr>
-            <a:fld id="{D6815254-68BB-4015-B3EE-EE16698DE21B}" type="slidenum">
+            <a:fld id="{72C94ACD-FBBB-4011-800B-FF8E3E422790}" type="slidenum">
               <a:rPr b="0" lang="fr-FR" sz="1400" strike="noStrike" u="none">
                 <a:solidFill>
                   <a:srgbClr val="000000"/>
@@ -412,7 +412,7 @@
       </p:grpSpPr>
       <p:sp>
         <p:nvSpPr>
-          <p:cNvPr id="39" name="PlaceHolder 1"/>
+          <p:cNvPr id="42" name="PlaceHolder 1"/>
           <p:cNvSpPr>
             <a:spLocks noGrp="1"/>
           </p:cNvSpPr>
@@ -435,7 +435,7 @@
       </p:sp>
       <p:sp>
         <p:nvSpPr>
-          <p:cNvPr id="40" name="PlaceHolder 2"/>
+          <p:cNvPr id="43" name="PlaceHolder 2"/>
           <p:cNvSpPr>
             <a:spLocks noGrp="1"/>
           </p:cNvSpPr>
@@ -477,7 +477,7 @@
       </p:sp>
       <p:sp>
         <p:nvSpPr>
-          <p:cNvPr id="41" name="PlaceHolder 3"/>
+          <p:cNvPr id="44" name="PlaceHolder 3"/>
           <p:cNvSpPr>
             <a:spLocks noGrp="1"/>
           </p:cNvSpPr>
@@ -532,7 +532,7 @@
                 <a:tab algn="l" pos="0"/>
               </a:tabLst>
             </a:pPr>
-            <a:fld id="{D412E11B-B236-4DC7-B6BB-DB17BFE0A597}" type="slidenum">
+            <a:fld id="{0024DD6B-B8E9-4495-9510-609B3AC44E13}" type="slidenum">
               <a:rPr b="0" lang="en-US" sz="1800" strike="noStrike" u="none">
                 <a:solidFill>
                   <a:schemeClr val="dk1"/>
@@ -606,6 +606,312 @@
           <a:chExt cx="0" cy="0"/>
         </a:xfrm>
       </p:grpSpPr>
+      <p:sp>
+        <p:nvSpPr>
+          <p:cNvPr id="0" name="PlaceHolder 1"/>
+          <p:cNvSpPr>
+            <a:spLocks noGrp="1"/>
+          </p:cNvSpPr>
+          <p:nvPr>
+            <p:ph type="title"/>
+          </p:nvPr>
+        </p:nvSpPr>
+        <p:spPr>
+          <a:xfrm>
+            <a:off x="457200" y="205200"/>
+            <a:ext cx="8229240" cy="858600"/>
+          </a:xfrm>
+          <a:prstGeom prst="rect">
+            <a:avLst/>
+          </a:prstGeom>
+          <a:noFill/>
+          <a:ln w="0">
+            <a:noFill/>
+          </a:ln>
+        </p:spPr>
+        <p:txBody>
+          <a:bodyPr lIns="0" rIns="0" tIns="0" bIns="0" anchor="ctr">
+            <a:noAutofit/>
+          </a:bodyPr>
+          <a:p>
+            <a:pPr indent="0" algn="ctr">
+              <a:buNone/>
+            </a:pPr>
+            <a:r>
+              <a:rPr b="0" lang="fr-FR" sz="4400" strike="noStrike" u="none">
+                <a:solidFill>
+                  <a:srgbClr val="000000"/>
+                </a:solidFill>
+                <a:effectLst/>
+                <a:uFillTx/>
+                <a:latin typeface="Arial"/>
+              </a:rPr>
+              <a:t>Click to edit the title text format</a:t>
+            </a:r>
+            <a:endParaRPr b="0" lang="fr-FR" sz="4400" strike="noStrike" u="none">
+              <a:solidFill>
+                <a:srgbClr val="000000"/>
+              </a:solidFill>
+              <a:effectLst/>
+              <a:uFillTx/>
+              <a:latin typeface="Arial"/>
+            </a:endParaRPr>
+          </a:p>
+        </p:txBody>
+      </p:sp>
+      <p:sp>
+        <p:nvSpPr>
+          <p:cNvPr id="1" name="PlaceHolder 2"/>
+          <p:cNvSpPr>
+            <a:spLocks noGrp="1"/>
+          </p:cNvSpPr>
+          <p:nvPr>
+            <p:ph type="body"/>
+          </p:nvPr>
+        </p:nvSpPr>
+        <p:spPr>
+          <a:xfrm>
+            <a:off x="457200" y="1203480"/>
+            <a:ext cx="8229240" cy="2982960"/>
+          </a:xfrm>
+          <a:prstGeom prst="rect">
+            <a:avLst/>
+          </a:prstGeom>
+          <a:noFill/>
+          <a:ln w="0">
+            <a:noFill/>
+          </a:ln>
+        </p:spPr>
+        <p:txBody>
+          <a:bodyPr lIns="0" rIns="0" tIns="0" bIns="0" anchor="t">
+            <a:normAutofit/>
+          </a:bodyPr>
+          <a:p>
+            <a:pPr marL="432000" indent="-324000">
+              <a:spcBef>
+                <a:spcPts val="1417"/>
+              </a:spcBef>
+              <a:buClr>
+                <a:srgbClr val="000000"/>
+              </a:buClr>
+              <a:buSzPct val="45000"/>
+              <a:buFont typeface="Wingdings" charset="2"/>
+              <a:buChar char=""/>
+            </a:pPr>
+            <a:r>
+              <a:rPr b="0" lang="fr-FR" sz="3200" strike="noStrike" u="none">
+                <a:solidFill>
+                  <a:srgbClr val="000000"/>
+                </a:solidFill>
+                <a:effectLst/>
+                <a:uFillTx/>
+                <a:latin typeface="Arial"/>
+              </a:rPr>
+              <a:t>Click to edit the outline text format</a:t>
+            </a:r>
+            <a:endParaRPr b="0" lang="fr-FR" sz="3200" strike="noStrike" u="none">
+              <a:solidFill>
+                <a:srgbClr val="000000"/>
+              </a:solidFill>
+              <a:effectLst/>
+              <a:uFillTx/>
+              <a:latin typeface="Arial"/>
+            </a:endParaRPr>
+          </a:p>
+          <a:p>
+            <a:pPr lvl="1" marL="864000" indent="-324000">
+              <a:spcBef>
+                <a:spcPts val="1134"/>
+              </a:spcBef>
+              <a:buClr>
+                <a:srgbClr val="000000"/>
+              </a:buClr>
+              <a:buSzPct val="75000"/>
+              <a:buFont typeface="Symbol" charset="2"/>
+              <a:buChar char=""/>
+            </a:pPr>
+            <a:r>
+              <a:rPr b="0" lang="fr-FR" sz="2800" strike="noStrike" u="none">
+                <a:solidFill>
+                  <a:srgbClr val="000000"/>
+                </a:solidFill>
+                <a:effectLst/>
+                <a:uFillTx/>
+                <a:latin typeface="Arial"/>
+              </a:rPr>
+              <a:t>Second Outline Level</a:t>
+            </a:r>
+            <a:endParaRPr b="0" lang="fr-FR" sz="2800" strike="noStrike" u="none">
+              <a:solidFill>
+                <a:srgbClr val="000000"/>
+              </a:solidFill>
+              <a:effectLst/>
+              <a:uFillTx/>
+              <a:latin typeface="Arial"/>
+            </a:endParaRPr>
+          </a:p>
+          <a:p>
+            <a:pPr lvl="2" marL="1296000" indent="-288000">
+              <a:spcBef>
+                <a:spcPts val="850"/>
+              </a:spcBef>
+              <a:buClr>
+                <a:srgbClr val="000000"/>
+              </a:buClr>
+              <a:buSzPct val="45000"/>
+              <a:buFont typeface="Wingdings" charset="2"/>
+              <a:buChar char=""/>
+            </a:pPr>
+            <a:r>
+              <a:rPr b="0" lang="fr-FR" sz="2400" strike="noStrike" u="none">
+                <a:solidFill>
+                  <a:srgbClr val="000000"/>
+                </a:solidFill>
+                <a:effectLst/>
+                <a:uFillTx/>
+                <a:latin typeface="Arial"/>
+              </a:rPr>
+              <a:t>Third Outline Level</a:t>
+            </a:r>
+            <a:endParaRPr b="0" lang="fr-FR" sz="2400" strike="noStrike" u="none">
+              <a:solidFill>
+                <a:srgbClr val="000000"/>
+              </a:solidFill>
+              <a:effectLst/>
+              <a:uFillTx/>
+              <a:latin typeface="Arial"/>
+            </a:endParaRPr>
+          </a:p>
+          <a:p>
+            <a:pPr lvl="3" marL="1728000" indent="-216000">
+              <a:spcBef>
+                <a:spcPts val="567"/>
+              </a:spcBef>
+              <a:buClr>
+                <a:srgbClr val="000000"/>
+              </a:buClr>
+              <a:buSzPct val="75000"/>
+              <a:buFont typeface="Symbol" charset="2"/>
+              <a:buChar char=""/>
+            </a:pPr>
+            <a:r>
+              <a:rPr b="0" lang="fr-FR" sz="2000" strike="noStrike" u="none">
+                <a:solidFill>
+                  <a:srgbClr val="000000"/>
+                </a:solidFill>
+                <a:effectLst/>
+                <a:uFillTx/>
+                <a:latin typeface="Arial"/>
+              </a:rPr>
+              <a:t>Fourth Outline Level</a:t>
+            </a:r>
+            <a:endParaRPr b="0" lang="fr-FR" sz="2000" strike="noStrike" u="none">
+              <a:solidFill>
+                <a:srgbClr val="000000"/>
+              </a:solidFill>
+              <a:effectLst/>
+              <a:uFillTx/>
+              <a:latin typeface="Arial"/>
+            </a:endParaRPr>
+          </a:p>
+          <a:p>
+            <a:pPr lvl="4" marL="2160000" indent="-216000">
+              <a:spcBef>
+                <a:spcPts val="283"/>
+              </a:spcBef>
+              <a:buClr>
+                <a:srgbClr val="000000"/>
+              </a:buClr>
+              <a:buSzPct val="45000"/>
+              <a:buFont typeface="Wingdings" charset="2"/>
+              <a:buChar char=""/>
+            </a:pPr>
+            <a:r>
+              <a:rPr b="0" lang="fr-FR" sz="2000" strike="noStrike" u="none">
+                <a:solidFill>
+                  <a:srgbClr val="000000"/>
+                </a:solidFill>
+                <a:effectLst/>
+                <a:uFillTx/>
+                <a:latin typeface="Arial"/>
+              </a:rPr>
+              <a:t>Fifth Outline Level</a:t>
+            </a:r>
+            <a:endParaRPr b="0" lang="fr-FR" sz="2000" strike="noStrike" u="none">
+              <a:solidFill>
+                <a:srgbClr val="000000"/>
+              </a:solidFill>
+              <a:effectLst/>
+              <a:uFillTx/>
+              <a:latin typeface="Arial"/>
+            </a:endParaRPr>
+          </a:p>
+          <a:p>
+            <a:pPr lvl="5" marL="2592000" indent="-216000">
+              <a:spcBef>
+                <a:spcPts val="283"/>
+              </a:spcBef>
+              <a:buClr>
+                <a:srgbClr val="000000"/>
+              </a:buClr>
+              <a:buSzPct val="45000"/>
+              <a:buFont typeface="Wingdings" charset="2"/>
+              <a:buChar char=""/>
+            </a:pPr>
+            <a:r>
+              <a:rPr b="0" lang="fr-FR" sz="2000" strike="noStrike" u="none">
+                <a:solidFill>
+                  <a:srgbClr val="000000"/>
+                </a:solidFill>
+                <a:effectLst/>
+                <a:uFillTx/>
+                <a:latin typeface="Arial"/>
+              </a:rPr>
+              <a:t>Sixth Outline Level</a:t>
+            </a:r>
+            <a:endParaRPr b="0" lang="fr-FR" sz="2000" strike="noStrike" u="none">
+              <a:solidFill>
+                <a:srgbClr val="000000"/>
+              </a:solidFill>
+              <a:effectLst/>
+              <a:uFillTx/>
+              <a:latin typeface="Arial"/>
+            </a:endParaRPr>
+          </a:p>
+          <a:p>
+            <a:pPr lvl="6" marL="3024000" indent="-216000">
+              <a:spcBef>
+                <a:spcPts val="283"/>
+              </a:spcBef>
+              <a:buClr>
+                <a:srgbClr val="000000"/>
+              </a:buClr>
+              <a:buSzPct val="45000"/>
+              <a:buFont typeface="Wingdings" charset="2"/>
+              <a:buChar char=""/>
+            </a:pPr>
+            <a:r>
+              <a:rPr b="0" lang="fr-FR" sz="2000" strike="noStrike" u="none">
+                <a:solidFill>
+                  <a:srgbClr val="000000"/>
+                </a:solidFill>
+                <a:effectLst/>
+                <a:uFillTx/>
+                <a:latin typeface="Arial"/>
+              </a:rPr>
+              <a:t>Seventh Outline Level</a:t>
+            </a:r>
+            <a:endParaRPr b="0" lang="fr-FR" sz="2000" strike="noStrike" u="none">
+              <a:solidFill>
+                <a:srgbClr val="000000"/>
+              </a:solidFill>
+              <a:effectLst/>
+              <a:uFillTx/>
+              <a:latin typeface="Arial"/>
+            </a:endParaRPr>
+          </a:p>
+        </p:txBody>
+      </p:sp>
     </p:spTree>
   </p:cSld>
   <p:clrMap bg1="lt1" tx1="dk1" bg2="lt2" tx2="dk2" accent1="accent1" accent2="accent2" accent3="accent3" accent4="accent4" accent5="accent5" accent6="accent6" hlink="hlink" folHlink="folHlink"/>
@@ -634,7 +940,7 @@
       </p:grpSpPr>
       <p:pic>
         <p:nvPicPr>
-          <p:cNvPr id="6" name="Picture 37" descr="A screenshot of a computer&#10;&#10;AI-generated content may be incorrect."/>
+          <p:cNvPr id="8" name="Picture 37" descr="A screenshot of a computer&#10;&#10;AI-generated content may be incorrect."/>
           <p:cNvPicPr/>
           <p:nvPr/>
         </p:nvPicPr>
@@ -645,7 +951,7 @@
         <p:spPr>
           <a:xfrm>
             <a:off x="0" y="1440"/>
-            <a:ext cx="9132480" cy="5140440"/>
+            <a:ext cx="9132120" cy="5140080"/>
           </a:xfrm>
           <a:prstGeom prst="rect">
             <a:avLst/>
@@ -658,14 +964,14 @@
       </p:pic>
       <p:sp>
         <p:nvSpPr>
-          <p:cNvPr id="7" name="Text 0"/>
+          <p:cNvPr id="9" name="Text 0"/>
           <p:cNvSpPr/>
           <p:nvPr/>
         </p:nvSpPr>
         <p:spPr>
           <a:xfrm>
             <a:off x="91440" y="4754880"/>
-            <a:ext cx="453960" cy="453960"/>
+            <a:ext cx="453600" cy="453600"/>
           </a:xfrm>
           <a:prstGeom prst="rect">
             <a:avLst/>
@@ -715,14 +1021,14 @@
       </p:sp>
       <p:sp>
         <p:nvSpPr>
-          <p:cNvPr id="8" name="Text 4"/>
+          <p:cNvPr id="10" name="Text 4"/>
           <p:cNvSpPr/>
           <p:nvPr/>
         </p:nvSpPr>
         <p:spPr>
           <a:xfrm>
             <a:off x="6446520" y="1028880"/>
-            <a:ext cx="2282760" cy="865440"/>
+            <a:ext cx="2282400" cy="865080"/>
           </a:xfrm>
           <a:prstGeom prst="rect">
             <a:avLst/>
@@ -764,14 +1070,14 @@
       </p:sp>
       <p:sp>
         <p:nvSpPr>
-          <p:cNvPr id="9" name="Text 16"/>
+          <p:cNvPr id="11" name="Text 16"/>
           <p:cNvSpPr/>
           <p:nvPr/>
         </p:nvSpPr>
         <p:spPr>
           <a:xfrm>
             <a:off x="1800000" y="3960000"/>
-            <a:ext cx="1258200" cy="453960"/>
+            <a:ext cx="1257840" cy="453600"/>
           </a:xfrm>
           <a:prstGeom prst="rect">
             <a:avLst/>
@@ -830,14 +1136,14 @@
       </p:sp>
       <p:sp>
         <p:nvSpPr>
-          <p:cNvPr id="10" name="Text 17"/>
+          <p:cNvPr id="12" name="Text 17"/>
           <p:cNvSpPr/>
           <p:nvPr/>
         </p:nvSpPr>
         <p:spPr>
           <a:xfrm>
             <a:off x="1443600" y="3840480"/>
-            <a:ext cx="1368360" cy="360"/>
+            <a:ext cx="1368000" cy="360"/>
           </a:xfrm>
           <a:prstGeom prst="rect">
             <a:avLst/>
@@ -891,14 +1197,14 @@
       </p:sp>
       <p:sp>
         <p:nvSpPr>
-          <p:cNvPr id="11" name="Text 18"/>
+          <p:cNvPr id="13" name="Text 18"/>
           <p:cNvSpPr/>
           <p:nvPr/>
         </p:nvSpPr>
         <p:spPr>
           <a:xfrm>
             <a:off x="3060000" y="3960000"/>
-            <a:ext cx="1419120" cy="453960"/>
+            <a:ext cx="1418760" cy="453600"/>
           </a:xfrm>
           <a:prstGeom prst="rect">
             <a:avLst/>
@@ -957,14 +1263,14 @@
       </p:sp>
       <p:sp>
         <p:nvSpPr>
-          <p:cNvPr id="12" name="Text 19"/>
+          <p:cNvPr id="14" name="Text 19"/>
           <p:cNvSpPr/>
           <p:nvPr/>
         </p:nvSpPr>
         <p:spPr>
           <a:xfrm>
             <a:off x="2632320" y="3840480"/>
-            <a:ext cx="1368360" cy="360"/>
+            <a:ext cx="1368000" cy="360"/>
           </a:xfrm>
           <a:prstGeom prst="rect">
             <a:avLst/>
@@ -1018,14 +1324,14 @@
       </p:sp>
       <p:sp>
         <p:nvSpPr>
-          <p:cNvPr id="13" name="Text 20"/>
+          <p:cNvPr id="15" name="Text 20"/>
           <p:cNvSpPr/>
           <p:nvPr/>
         </p:nvSpPr>
         <p:spPr>
           <a:xfrm>
             <a:off x="4176000" y="3960000"/>
-            <a:ext cx="1133280" cy="453960"/>
+            <a:ext cx="1132920" cy="453600"/>
           </a:xfrm>
           <a:prstGeom prst="rect">
             <a:avLst/>
@@ -1081,14 +1387,14 @@
       </p:sp>
       <p:sp>
         <p:nvSpPr>
-          <p:cNvPr id="14" name="Text 21"/>
+          <p:cNvPr id="16" name="Text 21"/>
           <p:cNvSpPr/>
           <p:nvPr/>
         </p:nvSpPr>
         <p:spPr>
           <a:xfrm>
             <a:off x="3821040" y="3840480"/>
-            <a:ext cx="1368360" cy="360"/>
+            <a:ext cx="1368000" cy="360"/>
           </a:xfrm>
           <a:prstGeom prst="rect">
             <a:avLst/>
@@ -1139,14 +1445,14 @@
       </p:sp>
       <p:sp>
         <p:nvSpPr>
-          <p:cNvPr id="15" name="Text 22"/>
+          <p:cNvPr id="17" name="Text 22"/>
           <p:cNvSpPr/>
           <p:nvPr/>
         </p:nvSpPr>
         <p:spPr>
           <a:xfrm>
             <a:off x="5472000" y="3960000"/>
-            <a:ext cx="988560" cy="453960"/>
+            <a:ext cx="988200" cy="453600"/>
           </a:xfrm>
           <a:prstGeom prst="rect">
             <a:avLst/>
@@ -1227,14 +1533,14 @@
       </p:sp>
       <p:sp>
         <p:nvSpPr>
-          <p:cNvPr id="16" name="Text 23"/>
+          <p:cNvPr id="18" name="Text 23"/>
           <p:cNvSpPr/>
           <p:nvPr/>
         </p:nvSpPr>
         <p:spPr>
           <a:xfrm>
             <a:off x="5009760" y="3840480"/>
-            <a:ext cx="1368360" cy="360"/>
+            <a:ext cx="1368000" cy="360"/>
           </a:xfrm>
           <a:prstGeom prst="rect">
             <a:avLst/>
@@ -1285,14 +1591,14 @@
       </p:sp>
       <p:sp>
         <p:nvSpPr>
-          <p:cNvPr id="17" name="Text 24"/>
+          <p:cNvPr id="19" name="Text 24"/>
           <p:cNvSpPr/>
           <p:nvPr/>
         </p:nvSpPr>
         <p:spPr>
           <a:xfrm>
             <a:off x="6768000" y="3960000"/>
-            <a:ext cx="1167840" cy="453960"/>
+            <a:ext cx="1167480" cy="453600"/>
           </a:xfrm>
           <a:prstGeom prst="rect">
             <a:avLst/>
@@ -1348,14 +1654,14 @@
       </p:sp>
       <p:sp>
         <p:nvSpPr>
-          <p:cNvPr id="18" name="Text 25"/>
+          <p:cNvPr id="20" name="Text 25"/>
           <p:cNvSpPr/>
           <p:nvPr/>
         </p:nvSpPr>
         <p:spPr>
           <a:xfrm>
             <a:off x="6198480" y="3840480"/>
-            <a:ext cx="1368360" cy="360"/>
+            <a:ext cx="1368000" cy="360"/>
           </a:xfrm>
           <a:prstGeom prst="rect">
             <a:avLst/>
@@ -1406,14 +1712,14 @@
       </p:sp>
       <p:sp>
         <p:nvSpPr>
-          <p:cNvPr id="19" name="Text 26"/>
+          <p:cNvPr id="21" name="Text 26"/>
           <p:cNvSpPr/>
           <p:nvPr/>
         </p:nvSpPr>
         <p:spPr>
           <a:xfrm>
             <a:off x="7920000" y="3960000"/>
-            <a:ext cx="1258200" cy="453960"/>
+            <a:ext cx="1257840" cy="453600"/>
           </a:xfrm>
           <a:prstGeom prst="rect">
             <a:avLst/>
@@ -1469,14 +1775,14 @@
       </p:sp>
       <p:sp>
         <p:nvSpPr>
-          <p:cNvPr id="20" name="Text 27"/>
+          <p:cNvPr id="22" name="Text 27"/>
           <p:cNvSpPr/>
           <p:nvPr/>
         </p:nvSpPr>
         <p:spPr>
           <a:xfrm>
             <a:off x="7387200" y="3840480"/>
-            <a:ext cx="1368360" cy="360"/>
+            <a:ext cx="1368000" cy="360"/>
           </a:xfrm>
           <a:prstGeom prst="rect">
             <a:avLst/>
@@ -1527,14 +1833,14 @@
       </p:sp>
       <p:sp>
         <p:nvSpPr>
-          <p:cNvPr id="21" name="Text 15"/>
+          <p:cNvPr id="23" name="Text 15"/>
           <p:cNvSpPr/>
           <p:nvPr/>
         </p:nvSpPr>
         <p:spPr>
           <a:xfrm>
             <a:off x="473040" y="712080"/>
-            <a:ext cx="2739960" cy="225360"/>
+            <a:ext cx="2739600" cy="225000"/>
           </a:xfrm>
           <a:prstGeom prst="rect">
             <a:avLst/>
@@ -1573,14 +1879,14 @@
       </p:sp>
       <p:sp>
         <p:nvSpPr>
-          <p:cNvPr id="22" name="Text 1"/>
+          <p:cNvPr id="24" name="Text 1"/>
           <p:cNvSpPr/>
           <p:nvPr/>
         </p:nvSpPr>
         <p:spPr>
           <a:xfrm>
             <a:off x="2788920" y="1069920"/>
-            <a:ext cx="2145600" cy="210600"/>
+            <a:ext cx="2145240" cy="210240"/>
           </a:xfrm>
           <a:prstGeom prst="rect">
             <a:avLst/>
@@ -1688,14 +1994,14 @@
       </p:sp>
       <p:sp>
         <p:nvSpPr>
-          <p:cNvPr id="23" name="Text 2"/>
+          <p:cNvPr id="25" name="Text 2"/>
           <p:cNvSpPr/>
           <p:nvPr/>
         </p:nvSpPr>
         <p:spPr>
           <a:xfrm>
             <a:off x="2788920" y="1340640"/>
-            <a:ext cx="2145600" cy="210600"/>
+            <a:ext cx="2145240" cy="210240"/>
           </a:xfrm>
           <a:prstGeom prst="rect">
             <a:avLst/>
@@ -1755,14 +2061,14 @@
       </p:sp>
       <p:sp>
         <p:nvSpPr>
-          <p:cNvPr id="24" name="Text 3"/>
+          <p:cNvPr id="26" name="Text 3"/>
           <p:cNvSpPr/>
           <p:nvPr/>
         </p:nvSpPr>
         <p:spPr>
           <a:xfrm>
             <a:off x="2788920" y="1611720"/>
-            <a:ext cx="2145600" cy="241560"/>
+            <a:ext cx="2145240" cy="241200"/>
           </a:xfrm>
           <a:prstGeom prst="rect">
             <a:avLst/>
@@ -1821,7 +2127,7 @@
       </p:sp>
       <p:pic>
         <p:nvPicPr>
-          <p:cNvPr id="25" name="Picture 4" descr=""/>
+          <p:cNvPr id="27" name="Picture 4" descr=""/>
           <p:cNvPicPr/>
           <p:nvPr/>
         </p:nvPicPr>
@@ -1832,7 +2138,7 @@
         <p:spPr>
           <a:xfrm>
             <a:off x="7995240" y="725760"/>
-            <a:ext cx="642240" cy="191520"/>
+            <a:ext cx="641880" cy="191160"/>
           </a:xfrm>
           <a:prstGeom prst="rect">
             <a:avLst/>
@@ -1845,7 +2151,7 @@
       </p:pic>
       <p:pic>
         <p:nvPicPr>
-          <p:cNvPr id="26" name="Picture 5" descr=""/>
+          <p:cNvPr id="28" name="Picture 5" descr=""/>
           <p:cNvPicPr/>
           <p:nvPr/>
         </p:nvPicPr>
@@ -1856,7 +2162,7 @@
         <p:spPr>
           <a:xfrm>
             <a:off x="7151760" y="729000"/>
-            <a:ext cx="642240" cy="191520"/>
+            <a:ext cx="641880" cy="191160"/>
           </a:xfrm>
           <a:prstGeom prst="rect">
             <a:avLst/>
@@ -1869,7 +2175,7 @@
       </p:pic>
       <p:pic>
         <p:nvPicPr>
-          <p:cNvPr id="27" name="Picture 18" descr=""/>
+          <p:cNvPr id="29" name="Picture 18" descr=""/>
           <p:cNvPicPr/>
           <p:nvPr/>
         </p:nvPicPr>
@@ -1880,7 +2186,7 @@
         <p:spPr>
           <a:xfrm>
             <a:off x="5465160" y="726120"/>
-            <a:ext cx="642240" cy="191520"/>
+            <a:ext cx="641880" cy="191160"/>
           </a:xfrm>
           <a:prstGeom prst="rect">
             <a:avLst/>
@@ -1893,7 +2199,7 @@
       </p:pic>
       <p:pic>
         <p:nvPicPr>
-          <p:cNvPr id="28" name="Picture 19" descr=""/>
+          <p:cNvPr id="30" name="Picture 19" descr=""/>
           <p:cNvPicPr/>
           <p:nvPr/>
         </p:nvPicPr>
@@ -1904,7 +2210,7 @@
         <p:spPr>
           <a:xfrm>
             <a:off x="4622040" y="726120"/>
-            <a:ext cx="642240" cy="191520"/>
+            <a:ext cx="641880" cy="191160"/>
           </a:xfrm>
           <a:prstGeom prst="rect">
             <a:avLst/>
@@ -1917,14 +2223,14 @@
       </p:pic>
       <p:sp>
         <p:nvSpPr>
-          <p:cNvPr id="29" name="TextBox 20"/>
+          <p:cNvPr id="31" name="TextBox 20"/>
           <p:cNvSpPr/>
           <p:nvPr/>
         </p:nvSpPr>
         <p:spPr>
           <a:xfrm>
             <a:off x="7999560" y="494280"/>
-            <a:ext cx="642240" cy="642960"/>
+            <a:ext cx="641880" cy="642600"/>
           </a:xfrm>
           <a:prstGeom prst="rect">
             <a:avLst/>
@@ -1977,14 +2283,14 @@
       </p:sp>
       <p:sp>
         <p:nvSpPr>
-          <p:cNvPr id="30" name="TextBox 21"/>
+          <p:cNvPr id="32" name="TextBox 21"/>
           <p:cNvSpPr/>
           <p:nvPr/>
         </p:nvSpPr>
         <p:spPr>
           <a:xfrm>
             <a:off x="7153920" y="488880"/>
-            <a:ext cx="642240" cy="642960"/>
+            <a:ext cx="641880" cy="642600"/>
           </a:xfrm>
           <a:prstGeom prst="rect">
             <a:avLst/>
@@ -2034,14 +2340,14 @@
       </p:sp>
       <p:sp>
         <p:nvSpPr>
-          <p:cNvPr id="31" name="TextBox 23"/>
+          <p:cNvPr id="33" name="TextBox 23"/>
           <p:cNvSpPr/>
           <p:nvPr/>
         </p:nvSpPr>
         <p:spPr>
           <a:xfrm>
             <a:off x="5465160" y="491760"/>
-            <a:ext cx="642240" cy="642960"/>
+            <a:ext cx="641880" cy="642600"/>
           </a:xfrm>
           <a:prstGeom prst="rect">
             <a:avLst/>
@@ -2091,14 +2397,14 @@
       </p:sp>
       <p:sp>
         <p:nvSpPr>
-          <p:cNvPr id="32" name="TextBox 24"/>
+          <p:cNvPr id="34" name="TextBox 24"/>
           <p:cNvSpPr/>
           <p:nvPr/>
         </p:nvSpPr>
         <p:spPr>
           <a:xfrm>
             <a:off x="4626360" y="491760"/>
-            <a:ext cx="642240" cy="642960"/>
+            <a:ext cx="641880" cy="642600"/>
           </a:xfrm>
           <a:prstGeom prst="rect">
             <a:avLst/>
@@ -2137,14 +2443,14 @@
       </p:sp>
       <p:sp>
         <p:nvSpPr>
-          <p:cNvPr id="33" name="Text 5"/>
+          <p:cNvPr id="35" name="Text 5"/>
           <p:cNvSpPr/>
           <p:nvPr/>
         </p:nvSpPr>
         <p:spPr>
           <a:xfrm>
             <a:off x="1371600" y="2148840"/>
-            <a:ext cx="7129080" cy="1185480"/>
+            <a:ext cx="7128720" cy="1185120"/>
           </a:xfrm>
           <a:prstGeom prst="rect">
             <a:avLst/>
@@ -2192,14 +2498,14 @@
       </p:sp>
       <p:sp>
         <p:nvSpPr>
-          <p:cNvPr id="34" name="TextBox 1"/>
+          <p:cNvPr id="36" name="TextBox 1"/>
           <p:cNvSpPr/>
           <p:nvPr/>
         </p:nvSpPr>
         <p:spPr>
           <a:xfrm>
             <a:off x="4626360" y="779400"/>
-            <a:ext cx="642240" cy="105840"/>
+            <a:ext cx="641880" cy="105840"/>
           </a:xfrm>
           <a:prstGeom prst="rect">
             <a:avLst/>
@@ -2249,7 +2555,7 @@
       </p:sp>
       <p:pic>
         <p:nvPicPr>
-          <p:cNvPr id="35" name="Picture 1" descr=""/>
+          <p:cNvPr id="37" name="Picture 1" descr=""/>
           <p:cNvPicPr/>
           <p:nvPr/>
         </p:nvPicPr>
@@ -2260,7 +2566,7 @@
         <p:spPr>
           <a:xfrm>
             <a:off x="6278400" y="726480"/>
-            <a:ext cx="642240" cy="191520"/>
+            <a:ext cx="641880" cy="191160"/>
           </a:xfrm>
           <a:prstGeom prst="rect">
             <a:avLst/>
@@ -2273,14 +2579,14 @@
       </p:pic>
       <p:sp>
         <p:nvSpPr>
-          <p:cNvPr id="36" name=""/>
+          <p:cNvPr id="38" name=""/>
           <p:cNvSpPr/>
           <p:nvPr/>
         </p:nvSpPr>
         <p:spPr>
           <a:xfrm>
             <a:off x="6345720" y="735120"/>
-            <a:ext cx="635760" cy="267840"/>
+            <a:ext cx="635400" cy="267480"/>
           </a:xfrm>
           <a:prstGeom prst="rect">
             <a:avLst/>
@@ -2330,14 +2636,14 @@
       </p:sp>
       <p:sp>
         <p:nvSpPr>
-          <p:cNvPr id="37" name=""/>
+          <p:cNvPr id="39" name=""/>
           <p:cNvSpPr/>
           <p:nvPr/>
         </p:nvSpPr>
         <p:spPr>
           <a:xfrm>
             <a:off x="1800000" y="1980000"/>
-            <a:ext cx="6658920" cy="1153080"/>
+            <a:ext cx="6658560" cy="1153080"/>
           </a:xfrm>
           <a:prstGeom prst="rect">
             <a:avLst/>
@@ -2448,14 +2754,14 @@
       </p:sp>
       <p:sp>
         <p:nvSpPr>
-          <p:cNvPr id="38" name=""/>
+          <p:cNvPr id="40" name=""/>
           <p:cNvSpPr/>
           <p:nvPr/>
         </p:nvSpPr>
         <p:spPr>
           <a:xfrm>
             <a:off x="4140000" y="2880000"/>
-            <a:ext cx="3239640" cy="824760"/>
+            <a:ext cx="3239280" cy="824400"/>
           </a:xfrm>
           <a:prstGeom prst="rect">
             <a:avLst/>
@@ -2488,6 +2794,85 @@
               </a:spcAft>
             </a:pPr>
             <a:endParaRPr b="0" lang="fr-FR" sz="1800" strike="noStrike" u="none">
+              <a:solidFill>
+                <a:srgbClr val="000000"/>
+              </a:solidFill>
+              <a:effectLst/>
+              <a:uFillTx/>
+              <a:latin typeface="Arial"/>
+            </a:endParaRPr>
+          </a:p>
+        </p:txBody>
+      </p:sp>
+      <p:sp>
+        <p:nvSpPr>
+          <p:cNvPr id="41" name=""/>
+          <p:cNvSpPr txBox="1"/>
+          <p:nvPr/>
+        </p:nvSpPr>
+        <p:spPr>
+          <a:xfrm>
+            <a:off x="2007720" y="2400840"/>
+            <a:ext cx="5190480" cy="502920"/>
+          </a:xfrm>
+          <a:prstGeom prst="rect">
+            <a:avLst/>
+          </a:prstGeom>
+          <a:noFill/>
+          <a:ln w="0">
+            <a:noFill/>
+          </a:ln>
+        </p:spPr>
+        <p:txBody>
+          <a:bodyPr lIns="90000" rIns="90000" tIns="45000" bIns="45000" anchor="t">
+            <a:spAutoFit/>
+          </a:bodyPr>
+          <a:p>
+            <a:pPr>
+              <a:lnSpc>
+                <a:spcPct val="100000"/>
+              </a:lnSpc>
+              <a:spcBef>
+                <a:spcPts val="1191"/>
+              </a:spcBef>
+              <a:spcAft>
+                <a:spcPts val="992"/>
+              </a:spcAft>
+            </a:pPr>
+            <a:r>
+              <a:rPr b="0" lang="fr-FR" sz="1000" strike="noStrike" u="none">
+                <a:solidFill>
+                  <a:srgbClr val="000000"/>
+                </a:solidFill>
+                <a:effectLst/>
+                <a:uFillTx/>
+                <a:latin typeface="Liberation Mono;Courier New;DejaVu Sans Mono;Lucida Sans Typewriter"/>
+                <a:ea typeface="Liberation Mono;Courier New;DejaVu Sans Mono;Lucida Sans Typewriter"/>
+              </a:rPr>
+              <a:t>{{asset "chartPercentage/1.png"}}</a:t>
+            </a:r>
+            <a:endParaRPr b="0" lang="fr-FR" sz="1000" strike="noStrike" u="none">
+              <a:solidFill>
+                <a:srgbClr val="000000"/>
+              </a:solidFill>
+              <a:effectLst/>
+              <a:uFillTx/>
+              <a:latin typeface="Arial"/>
+            </a:endParaRPr>
+          </a:p>
+          <a:p>
+            <a:pPr>
+              <a:lnSpc>
+                <a:spcPct val="100000"/>
+              </a:lnSpc>
+              <a:spcBef>
+                <a:spcPts val="1191"/>
+              </a:spcBef>
+              <a:spcAft>
+                <a:spcPts val="992"/>
+              </a:spcAft>
+            </a:pPr>
+            <a:endParaRPr b="0" lang="fr-FR" sz="1000" strike="noStrike" u="none">
               <a:solidFill>
                 <a:srgbClr val="000000"/>
               </a:solidFill>
